--- a/Prezentacia/Servery_obhajoba.pptx
+++ b/Prezentacia/Servery_obhajoba.pptx
@@ -9069,7 +9069,7 @@
         <p:spPr>
           <a:xfrm>
             <a:off x="-943653" y="486796"/>
-            <a:ext cx="12866041" cy="1520824"/>
+            <a:ext cx="12866041" cy="1334211"/>
           </a:xfrm>
           <a:prstGeom prst="rect">
             <a:avLst/>
@@ -9087,13 +9087,31 @@
               </a:lnSpc>
             </a:pPr>
             <a:r>
-              <a:rPr lang="en-US" sz="9999">
+              <a:rPr lang="en-US" sz="9999" dirty="0">
                 <a:solidFill>
                   <a:srgbClr val="227C9D"/>
                 </a:solidFill>
                 <a:latin typeface="Kollektif Bold"/>
               </a:rPr>
-              <a:t>VÝBER TÉMY</a:t>
+              <a:t>V</a:t>
+            </a:r>
+            <a:r>
+              <a:rPr lang="en-US" sz="11000" b="1" dirty="0">
+                <a:solidFill>
+                  <a:srgbClr val="227C9D"/>
+                </a:solidFill>
+                <a:latin typeface="Kollektif Bold"/>
+              </a:rPr>
+              <a:t>Ý</a:t>
+            </a:r>
+            <a:r>
+              <a:rPr lang="en-US" sz="9999" dirty="0">
+                <a:solidFill>
+                  <a:srgbClr val="227C9D"/>
+                </a:solidFill>
+                <a:latin typeface="Kollektif Bold"/>
+              </a:rPr>
+              <a:t>BER TÉMY</a:t>
             </a:r>
           </a:p>
         </p:txBody>
@@ -9159,7 +9177,7 @@
         </p:nvGrpSpPr>
         <p:grpSpPr>
           <a:xfrm rot="2700000">
-            <a:off x="-1376391" y="-3093321"/>
+            <a:off x="-1472630" y="-2897770"/>
             <a:ext cx="7415398" cy="3565095"/>
             <a:chOff x="0" y="0"/>
             <a:chExt cx="660400" cy="317500"/>
@@ -9242,7 +9260,7 @@
             <a:bodyPr/>
             <a:lstStyle/>
             <a:p>
-              <a:endParaRPr lang="en-GB"/>
+              <a:endParaRPr lang="en-GB" dirty="0"/>
             </a:p>
           </p:txBody>
         </p:sp>
@@ -19850,7 +19868,7 @@
         <p:spPr>
           <a:xfrm>
             <a:off x="3607368" y="2016827"/>
-            <a:ext cx="10620170" cy="3458209"/>
+            <a:ext cx="10620170" cy="3180358"/>
           </a:xfrm>
           <a:prstGeom prst="rect">
             <a:avLst/>
@@ -19868,13 +19886,31 @@
               </a:lnSpc>
             </a:pPr>
             <a:r>
-              <a:rPr lang="en-US" sz="12399">
+              <a:rPr lang="en-US" sz="13400" b="1" dirty="0">
                 <a:solidFill>
                   <a:srgbClr val="227C9D"/>
                 </a:solidFill>
                 <a:latin typeface="Kollektif Bold"/>
               </a:rPr>
-              <a:t>ĎAKUJEM ZA POZORNOSŤ</a:t>
+              <a:t>Ď</a:t>
+            </a:r>
+            <a:r>
+              <a:rPr lang="en-US" sz="12399" dirty="0">
+                <a:solidFill>
+                  <a:srgbClr val="227C9D"/>
+                </a:solidFill>
+                <a:latin typeface="Kollektif Bold"/>
+              </a:rPr>
+              <a:t>AKUJEM ZA POZORNOS</a:t>
+            </a:r>
+            <a:r>
+              <a:rPr lang="en-US" sz="13400" b="1" dirty="0">
+                <a:solidFill>
+                  <a:srgbClr val="227C9D"/>
+                </a:solidFill>
+                <a:latin typeface="Kollektif Bold"/>
+              </a:rPr>
+              <a:t>Ť</a:t>
             </a:r>
           </a:p>
         </p:txBody>
